--- a/presentations/ep1000_electronics/ep1000_electronics.pptx
+++ b/presentations/ep1000_electronics/ep1000_electronics.pptx
@@ -214,7 +214,7 @@
           <a:p>
             <a:fld id="{2A875741-58CA-43A4-9946-B635E52C5CD8}" type="datetimeFigureOut">
               <a:rPr lang="en-US" smtClean="0"/>
-              <a:t>5/27/2021</a:t>
+              <a:t>5/28/2021</a:t>
             </a:fld>
             <a:endParaRPr lang="en-US" dirty="0"/>
           </a:p>
@@ -624,7 +624,7 @@
           <a:p>
             <a:fld id="{9665C769-D7C3-4E51-9622-EB882B1C6B88}" type="datetime1">
               <a:rPr lang="en-US" smtClean="0"/>
-              <a:t>5/27/2021</a:t>
+              <a:t>5/28/2021</a:t>
             </a:fld>
             <a:endParaRPr lang="en-US" dirty="0"/>
           </a:p>
@@ -818,7 +818,7 @@
           <a:p>
             <a:fld id="{AC2FA8F2-92AD-4DF3-BB80-1A576E4607C5}" type="datetime1">
               <a:rPr lang="en-US" smtClean="0"/>
-              <a:t>5/27/2021</a:t>
+              <a:t>5/28/2021</a:t>
             </a:fld>
             <a:endParaRPr lang="en-US" dirty="0"/>
           </a:p>
@@ -1017,7 +1017,7 @@
           <a:p>
             <a:fld id="{FF161318-0D48-4B52-BC2D-A0EA8E79725D}" type="datetime1">
               <a:rPr lang="en-US" smtClean="0"/>
-              <a:t>5/27/2021</a:t>
+              <a:t>5/28/2021</a:t>
             </a:fld>
             <a:endParaRPr lang="en-US" dirty="0"/>
           </a:p>
@@ -1211,7 +1211,7 @@
           <a:p>
             <a:fld id="{828929F4-2E32-48E9-8E95-ABAA8EAAF6A9}" type="datetime1">
               <a:rPr lang="en-US" smtClean="0"/>
-              <a:t>5/27/2021</a:t>
+              <a:t>5/28/2021</a:t>
             </a:fld>
             <a:endParaRPr lang="en-US" dirty="0"/>
           </a:p>
@@ -1474,7 +1474,7 @@
           <a:p>
             <a:fld id="{4D668969-C21F-428C-9E53-8D921FF4543A}" type="datetime1">
               <a:rPr lang="en-US" smtClean="0"/>
-              <a:t>5/27/2021</a:t>
+              <a:t>5/28/2021</a:t>
             </a:fld>
             <a:endParaRPr lang="en-US" dirty="0"/>
           </a:p>
@@ -1728,7 +1728,7 @@
           <a:p>
             <a:fld id="{01FB22A5-6159-4D69-BFEE-F4892803599C}" type="datetime1">
               <a:rPr lang="en-US" smtClean="0"/>
-              <a:t>5/27/2021</a:t>
+              <a:t>5/28/2021</a:t>
             </a:fld>
             <a:endParaRPr lang="en-US" dirty="0"/>
           </a:p>
@@ -2122,7 +2122,7 @@
           <a:p>
             <a:fld id="{738CC944-9765-440C-9A18-3DC1DA37440E}" type="datetime1">
               <a:rPr lang="en-US" smtClean="0"/>
-              <a:t>5/27/2021</a:t>
+              <a:t>5/28/2021</a:t>
             </a:fld>
             <a:endParaRPr lang="en-US" dirty="0"/>
           </a:p>
@@ -2256,7 +2256,7 @@
           <a:p>
             <a:fld id="{D8661C67-BB8E-4D16-A78D-460AAF94A53C}" type="datetime1">
               <a:rPr lang="en-US" smtClean="0"/>
-              <a:t>5/27/2021</a:t>
+              <a:t>5/28/2021</a:t>
             </a:fld>
             <a:endParaRPr lang="en-US" dirty="0"/>
           </a:p>
@@ -2367,7 +2367,7 @@
           <a:p>
             <a:fld id="{DBBC12E8-4105-456C-A90A-AF2362FB188F}" type="datetime1">
               <a:rPr lang="en-US" smtClean="0"/>
-              <a:t>5/27/2021</a:t>
+              <a:t>5/28/2021</a:t>
             </a:fld>
             <a:endParaRPr lang="en-US" dirty="0"/>
           </a:p>
@@ -2666,7 +2666,7 @@
           <a:p>
             <a:fld id="{11FD4DDA-56B2-4B92-884C-68E9C78E3003}" type="datetime1">
               <a:rPr lang="en-US" smtClean="0"/>
-              <a:t>5/27/2021</a:t>
+              <a:t>5/28/2021</a:t>
             </a:fld>
             <a:endParaRPr lang="en-US" dirty="0"/>
           </a:p>
@@ -2944,7 +2944,7 @@
           <a:p>
             <a:fld id="{750461B4-47C4-4F2C-98A2-225FD39D225C}" type="datetime1">
               <a:rPr lang="en-US" smtClean="0"/>
-              <a:t>5/27/2021</a:t>
+              <a:t>5/28/2021</a:t>
             </a:fld>
             <a:endParaRPr lang="en-US" dirty="0"/>
           </a:p>
@@ -3843,17 +3843,46 @@
         </p:nvSpPr>
         <p:spPr>
           <a:xfrm>
-            <a:off x="628650" y="5599289"/>
-            <a:ext cx="7886700" cy="577673"/>
-          </a:xfrm>
-        </p:spPr>
-        <p:txBody>
-          <a:bodyPr/>
-          <a:lstStyle/>
-          <a:p>
-            <a:r>
-              <a:rPr lang="en-SG" sz="2400" dirty="0"/>
+            <a:off x="628650" y="5103197"/>
+            <a:ext cx="7886700" cy="1184392"/>
+          </a:xfrm>
+        </p:spPr>
+        <p:txBody>
+          <a:bodyPr/>
+          <a:lstStyle/>
+          <a:p>
+            <a:r>
+              <a:rPr lang="en-SG" sz="2000" dirty="0"/>
               <a:t>Change the value of R, check V=IR</a:t>
+            </a:r>
+          </a:p>
+          <a:p>
+            <a:r>
+              <a:rPr lang="en-SG" sz="2000" dirty="0"/>
+              <a:t>Voltage is measured with voltmeter in </a:t>
+            </a:r>
+            <a:r>
+              <a:rPr lang="en-SG" sz="2000" dirty="0">
+                <a:solidFill>
+                  <a:srgbClr val="FF0000"/>
+                </a:solidFill>
+              </a:rPr>
+              <a:t>parallel</a:t>
+            </a:r>
+            <a:br>
+              <a:rPr lang="en-SG" sz="2000" dirty="0"/>
+            </a:br>
+            <a:r>
+              <a:rPr lang="en-SG" sz="2000" dirty="0"/>
+              <a:t>Current is measured with amp-meter in </a:t>
+            </a:r>
+            <a:r>
+              <a:rPr lang="en-SG" sz="2000" dirty="0">
+                <a:solidFill>
+                  <a:srgbClr val="FF0000"/>
+                </a:solidFill>
+              </a:rPr>
+              <a:t>series</a:t>
             </a:r>
           </a:p>
         </p:txBody>
@@ -3887,37 +3916,130 @@
           </a:p>
         </p:txBody>
       </p:sp>
-      <p:pic>
-        <p:nvPicPr>
-          <p:cNvPr id="8" name="Picture 7">
-            <a:hlinkClick r:id="rId2"/>
+      <p:grpSp>
+        <p:nvGrpSpPr>
+          <p:cNvPr id="6" name="Group 5">
             <a:extLst>
               <a:ext uri="{FF2B5EF4-FFF2-40B4-BE49-F238E27FC236}">
-                <a16:creationId xmlns:a16="http://schemas.microsoft.com/office/drawing/2014/main" id="{5B9181DA-1A1E-497B-91E6-8E5E268AAEB1}"/>
+                <a16:creationId xmlns:a16="http://schemas.microsoft.com/office/drawing/2014/main" id="{2B6CE4A0-FB67-4674-B57C-85B0D8E27D87}"/>
               </a:ext>
             </a:extLst>
           </p:cNvPr>
-          <p:cNvPicPr>
-            <a:picLocks noChangeAspect="1"/>
-          </p:cNvPicPr>
+          <p:cNvGrpSpPr/>
           <p:nvPr/>
-        </p:nvPicPr>
-        <p:blipFill>
-          <a:blip r:embed="rId3"/>
-          <a:stretch>
-            <a:fillRect/>
-          </a:stretch>
-        </p:blipFill>
-        <p:spPr>
-          <a:xfrm>
-            <a:off x="673806" y="1465966"/>
-            <a:ext cx="5038725" cy="3581400"/>
-          </a:xfrm>
-          <a:prstGeom prst="rect">
-            <a:avLst/>
-          </a:prstGeom>
-        </p:spPr>
-      </p:pic>
+        </p:nvGrpSpPr>
+        <p:grpSpPr>
+          <a:xfrm>
+            <a:off x="628650" y="1476885"/>
+            <a:ext cx="5038725" cy="3626312"/>
+            <a:chOff x="628650" y="1476885"/>
+            <a:chExt cx="5038725" cy="3626312"/>
+          </a:xfrm>
+        </p:grpSpPr>
+        <p:pic>
+          <p:nvPicPr>
+            <p:cNvPr id="8" name="Picture 7">
+              <a:hlinkClick r:id="rId2"/>
+              <a:extLst>
+                <a:ext uri="{FF2B5EF4-FFF2-40B4-BE49-F238E27FC236}">
+                  <a16:creationId xmlns:a16="http://schemas.microsoft.com/office/drawing/2014/main" id="{5B9181DA-1A1E-497B-91E6-8E5E268AAEB1}"/>
+                </a:ext>
+              </a:extLst>
+            </p:cNvPr>
+            <p:cNvPicPr>
+              <a:picLocks noChangeAspect="1"/>
+            </p:cNvPicPr>
+            <p:nvPr/>
+          </p:nvPicPr>
+          <p:blipFill>
+            <a:blip r:embed="rId3"/>
+            <a:stretch>
+              <a:fillRect/>
+            </a:stretch>
+          </p:blipFill>
+          <p:spPr>
+            <a:xfrm>
+              <a:off x="628650" y="1521797"/>
+              <a:ext cx="5038725" cy="3581400"/>
+            </a:xfrm>
+            <a:prstGeom prst="rect">
+              <a:avLst/>
+            </a:prstGeom>
+          </p:spPr>
+        </p:pic>
+        <p:sp>
+          <p:nvSpPr>
+            <p:cNvPr id="5" name="TextBox 4">
+              <a:extLst>
+                <a:ext uri="{FF2B5EF4-FFF2-40B4-BE49-F238E27FC236}">
+                  <a16:creationId xmlns:a16="http://schemas.microsoft.com/office/drawing/2014/main" id="{546FDEE5-BDEB-46B6-8A82-318A001AA6E5}"/>
+                </a:ext>
+              </a:extLst>
+            </p:cNvPr>
+            <p:cNvSpPr txBox="1"/>
+            <p:nvPr/>
+          </p:nvSpPr>
+          <p:spPr>
+            <a:xfrm>
+              <a:off x="775063" y="1889762"/>
+              <a:ext cx="1197187" cy="369332"/>
+            </a:xfrm>
+            <a:prstGeom prst="rect">
+              <a:avLst/>
+            </a:prstGeom>
+            <a:noFill/>
+          </p:spPr>
+          <p:txBody>
+            <a:bodyPr wrap="none" rtlCol="0">
+              <a:spAutoFit/>
+            </a:bodyPr>
+            <a:lstStyle/>
+            <a:p>
+              <a:r>
+                <a:rPr lang="en-SG" dirty="0"/>
+                <a:t>Volt-meter</a:t>
+              </a:r>
+              <a:endParaRPr lang="en-US" dirty="0"/>
+            </a:p>
+          </p:txBody>
+        </p:sp>
+        <p:sp>
+          <p:nvSpPr>
+            <p:cNvPr id="7" name="TextBox 6">
+              <a:extLst>
+                <a:ext uri="{FF2B5EF4-FFF2-40B4-BE49-F238E27FC236}">
+                  <a16:creationId xmlns:a16="http://schemas.microsoft.com/office/drawing/2014/main" id="{F6DD551E-5BE1-4211-9E4E-7009C6963A96}"/>
+                </a:ext>
+              </a:extLst>
+            </p:cNvPr>
+            <p:cNvSpPr txBox="1"/>
+            <p:nvPr/>
+          </p:nvSpPr>
+          <p:spPr>
+            <a:xfrm>
+              <a:off x="3522618" y="1476885"/>
+              <a:ext cx="1262974" cy="369332"/>
+            </a:xfrm>
+            <a:prstGeom prst="rect">
+              <a:avLst/>
+            </a:prstGeom>
+            <a:noFill/>
+          </p:spPr>
+          <p:txBody>
+            <a:bodyPr wrap="none" rtlCol="0">
+              <a:spAutoFit/>
+            </a:bodyPr>
+            <a:lstStyle/>
+            <a:p>
+              <a:r>
+                <a:rPr lang="en-SG" dirty="0"/>
+                <a:t>Amp-meter</a:t>
+              </a:r>
+              <a:endParaRPr lang="en-US" dirty="0"/>
+            </a:p>
+          </p:txBody>
+        </p:sp>
+      </p:grpSp>
     </p:spTree>
     <p:extLst>
       <p:ext uri="{BB962C8B-B14F-4D97-AF65-F5344CB8AC3E}">
@@ -6281,8 +6403,8 @@
             <a:chExt cx="4047807" cy="689036"/>
           </a:xfrm>
         </p:grpSpPr>
-        <mc:AlternateContent xmlns:mc="http://schemas.openxmlformats.org/markup-compatibility/2006">
-          <mc:Choice xmlns:a14="http://schemas.microsoft.com/office/drawing/2010/main" Requires="a14">
+        <mc:AlternateContent xmlns:mc="http://schemas.openxmlformats.org/markup-compatibility/2006" xmlns:a14="http://schemas.microsoft.com/office/drawing/2010/main">
+          <mc:Choice Requires="a14">
             <p:sp>
               <p:nvSpPr>
                 <p:cNvPr id="7" name="TextBox 6">
@@ -6311,6 +6433,7 @@
                 </a:bodyPr>
                 <a:lstStyle/>
                 <a:p>
+                  <a:pPr/>
                   <a14:m>
                     <m:oMathPara xmlns:m="http://schemas.openxmlformats.org/officeDocument/2006/math">
                       <m:oMathParaPr>
@@ -6374,7 +6497,7 @@
               </p:txBody>
             </p:sp>
           </mc:Choice>
-          <mc:Fallback>
+          <mc:Fallback xmlns="">
             <p:sp>
               <p:nvSpPr>
                 <p:cNvPr id="7" name="TextBox 6">
@@ -6419,8 +6542,8 @@
             </p:sp>
           </mc:Fallback>
         </mc:AlternateContent>
-        <mc:AlternateContent xmlns:mc="http://schemas.openxmlformats.org/markup-compatibility/2006">
-          <mc:Choice xmlns:a14="http://schemas.microsoft.com/office/drawing/2010/main" Requires="a14">
+        <mc:AlternateContent xmlns:mc="http://schemas.openxmlformats.org/markup-compatibility/2006" xmlns:a14="http://schemas.microsoft.com/office/drawing/2010/main">
+          <mc:Choice Requires="a14">
             <p:sp>
               <p:nvSpPr>
                 <p:cNvPr id="8" name="TextBox 7">
@@ -6449,6 +6572,7 @@
                 </a:bodyPr>
                 <a:lstStyle/>
                 <a:p>
+                  <a:pPr/>
                   <a14:m>
                     <m:oMathPara xmlns:m="http://schemas.openxmlformats.org/officeDocument/2006/math">
                       <m:oMathParaPr>
@@ -6519,7 +6643,7 @@
               </p:txBody>
             </p:sp>
           </mc:Choice>
-          <mc:Fallback>
+          <mc:Fallback xmlns="">
             <p:sp>
               <p:nvSpPr>
                 <p:cNvPr id="8" name="TextBox 7">
@@ -6564,8 +6688,8 @@
             </p:sp>
           </mc:Fallback>
         </mc:AlternateContent>
-        <mc:AlternateContent xmlns:mc="http://schemas.openxmlformats.org/markup-compatibility/2006">
-          <mc:Choice xmlns:a14="http://schemas.microsoft.com/office/drawing/2010/main" Requires="a14">
+        <mc:AlternateContent xmlns:mc="http://schemas.openxmlformats.org/markup-compatibility/2006" xmlns:a14="http://schemas.microsoft.com/office/drawing/2010/main">
+          <mc:Choice Requires="a14">
             <p:sp>
               <p:nvSpPr>
                 <p:cNvPr id="10" name="TextBox 9">
@@ -6594,6 +6718,7 @@
                 </a:bodyPr>
                 <a:lstStyle/>
                 <a:p>
+                  <a:pPr/>
                   <a14:m>
                     <m:oMathPara xmlns:m="http://schemas.openxmlformats.org/officeDocument/2006/math">
                       <m:oMathParaPr>
@@ -6664,7 +6789,7 @@
               </p:txBody>
             </p:sp>
           </mc:Choice>
-          <mc:Fallback>
+          <mc:Fallback xmlns="">
             <p:sp>
               <p:nvSpPr>
                 <p:cNvPr id="10" name="TextBox 9">
@@ -6710,8 +6835,8 @@
           </mc:Fallback>
         </mc:AlternateContent>
       </p:grpSp>
-      <mc:AlternateContent xmlns:mc="http://schemas.openxmlformats.org/markup-compatibility/2006">
-        <mc:Choice xmlns:a14="http://schemas.microsoft.com/office/drawing/2010/main" Requires="a14">
+      <mc:AlternateContent xmlns:mc="http://schemas.openxmlformats.org/markup-compatibility/2006" xmlns:a14="http://schemas.microsoft.com/office/drawing/2010/main">
+        <mc:Choice Requires="a14">
           <p:sp>
             <p:nvSpPr>
               <p:cNvPr id="11" name="TextBox 10">
@@ -6740,6 +6865,7 @@
               </a:bodyPr>
               <a:lstStyle/>
               <a:p>
+                <a:pPr/>
                 <a14:m>
                   <m:oMathPara xmlns:m="http://schemas.openxmlformats.org/officeDocument/2006/math">
                     <m:oMathParaPr>
@@ -6896,7 +7022,7 @@
             </p:txBody>
           </p:sp>
         </mc:Choice>
-        <mc:Fallback>
+        <mc:Fallback xmlns="">
           <p:sp>
             <p:nvSpPr>
               <p:cNvPr id="11" name="TextBox 10">
@@ -6941,8 +7067,8 @@
           </p:sp>
         </mc:Fallback>
       </mc:AlternateContent>
-      <mc:AlternateContent xmlns:mc="http://schemas.openxmlformats.org/markup-compatibility/2006">
-        <mc:Choice xmlns:a14="http://schemas.microsoft.com/office/drawing/2010/main" Requires="a14">
+      <mc:AlternateContent xmlns:mc="http://schemas.openxmlformats.org/markup-compatibility/2006" xmlns:a14="http://schemas.microsoft.com/office/drawing/2010/main">
+        <mc:Choice Requires="a14">
           <p:sp>
             <p:nvSpPr>
               <p:cNvPr id="13" name="TextBox 12">
@@ -7200,7 +7326,7 @@
             </p:txBody>
           </p:sp>
         </mc:Choice>
-        <mc:Fallback>
+        <mc:Fallback xmlns="">
           <p:sp>
             <p:nvSpPr>
               <p:cNvPr id="13" name="TextBox 12">
